--- a/Tutorial8/tutorial8.pptx
+++ b/Tutorial8/tutorial8.pptx
@@ -11,7 +11,7 @@
     <p:sldId id="260" r:id="rId5"/>
     <p:sldId id="262" r:id="rId6"/>
     <p:sldId id="263" r:id="rId7"/>
-    <p:sldId id="266" r:id="rId8"/>
+    <p:sldId id="264" r:id="rId8"/>
   </p:sldIdLst>
   <p:sldSz cx="12192000" cy="6858000"/>
   <p:notesSz cx="6858000" cy="9144000"/>
@@ -265,7 +265,7 @@
           <a:p>
             <a:fld id="{82EDB8D0-98ED-4B86-9D5F-E61ADC70144D}" type="datetimeFigureOut">
               <a:rPr lang="en-US" smtClean="0"/>
-              <a:t>5/21/23</a:t>
+              <a:t>5/27/23</a:t>
             </a:fld>
             <a:endParaRPr lang="en-US" dirty="0"/>
           </a:p>
@@ -680,7 +680,7 @@
           <a:p>
             <a:fld id="{82EDB8D0-98ED-4B86-9D5F-E61ADC70144D}" type="datetimeFigureOut">
               <a:rPr lang="en-US" smtClean="0"/>
-              <a:t>5/21/23</a:t>
+              <a:t>5/27/23</a:t>
             </a:fld>
             <a:endParaRPr lang="en-US"/>
           </a:p>
@@ -1172,7 +1172,7 @@
           <a:p>
             <a:fld id="{82EDB8D0-98ED-4B86-9D5F-E61ADC70144D}" type="datetimeFigureOut">
               <a:rPr lang="en-US" smtClean="0"/>
-              <a:t>5/21/23</a:t>
+              <a:t>5/27/23</a:t>
             </a:fld>
             <a:endParaRPr lang="en-US"/>
           </a:p>
@@ -1659,7 +1659,7 @@
           <a:p>
             <a:fld id="{82EDB8D0-98ED-4B86-9D5F-E61ADC70144D}" type="datetimeFigureOut">
               <a:rPr lang="en-US" smtClean="0"/>
-              <a:t>5/21/23</a:t>
+              <a:t>5/27/23</a:t>
             </a:fld>
             <a:endParaRPr lang="en-US" dirty="0"/>
           </a:p>
@@ -2428,7 +2428,7 @@
           <a:p>
             <a:fld id="{82EDB8D0-98ED-4B86-9D5F-E61ADC70144D}" type="datetimeFigureOut">
               <a:rPr lang="en-US" smtClean="0"/>
-              <a:t>5/21/23</a:t>
+              <a:t>5/27/23</a:t>
             </a:fld>
             <a:endParaRPr lang="en-US"/>
           </a:p>
@@ -2910,7 +2910,7 @@
           <a:p>
             <a:fld id="{82EDB8D0-98ED-4B86-9D5F-E61ADC70144D}" type="datetimeFigureOut">
               <a:rPr lang="en-US" smtClean="0"/>
-              <a:t>5/21/23</a:t>
+              <a:t>5/27/23</a:t>
             </a:fld>
             <a:endParaRPr lang="en-US"/>
           </a:p>
@@ -3606,7 +3606,7 @@
           <a:p>
             <a:fld id="{82EDB8D0-98ED-4B86-9D5F-E61ADC70144D}" type="datetimeFigureOut">
               <a:rPr lang="en-US" smtClean="0"/>
-              <a:t>5/21/23</a:t>
+              <a:t>5/27/23</a:t>
             </a:fld>
             <a:endParaRPr lang="en-US"/>
           </a:p>
@@ -4031,7 +4031,7 @@
           <a:p>
             <a:fld id="{82EDB8D0-98ED-4B86-9D5F-E61ADC70144D}" type="datetimeFigureOut">
               <a:rPr lang="en-US" smtClean="0"/>
-              <a:t>5/21/23</a:t>
+              <a:t>5/27/23</a:t>
             </a:fld>
             <a:endParaRPr lang="en-US"/>
           </a:p>
@@ -4428,7 +4428,7 @@
           <a:p>
             <a:fld id="{82EDB8D0-98ED-4B86-9D5F-E61ADC70144D}" type="datetimeFigureOut">
               <a:rPr lang="en-US" smtClean="0"/>
-              <a:t>5/21/23</a:t>
+              <a:t>5/27/23</a:t>
             </a:fld>
             <a:endParaRPr lang="en-US"/>
           </a:p>
@@ -5023,7 +5023,7 @@
           <a:p>
             <a:fld id="{82EDB8D0-98ED-4B86-9D5F-E61ADC70144D}" type="datetimeFigureOut">
               <a:rPr lang="en-US" smtClean="0"/>
-              <a:t>5/21/23</a:t>
+              <a:t>5/27/23</a:t>
             </a:fld>
             <a:endParaRPr lang="en-US"/>
           </a:p>
@@ -5598,7 +5598,7 @@
           <a:p>
             <a:fld id="{82EDB8D0-98ED-4B86-9D5F-E61ADC70144D}" type="datetimeFigureOut">
               <a:rPr lang="en-US" smtClean="0"/>
-              <a:t>5/21/23</a:t>
+              <a:t>5/27/23</a:t>
             </a:fld>
             <a:endParaRPr lang="en-US"/>
           </a:p>
@@ -6125,7 +6125,7 @@
             <a:fld id="{82EDB8D0-98ED-4B86-9D5F-E61ADC70144D}" type="datetimeFigureOut">
               <a:rPr lang="en-US" smtClean="0"/>
               <a:pPr/>
-              <a:t>5/21/23</a:t>
+              <a:t>5/27/23</a:t>
             </a:fld>
             <a:endParaRPr lang="en-US" dirty="0"/>
           </a:p>
@@ -6707,7 +6707,7 @@
           <a:p>
             <a:r>
               <a:rPr lang="en-US" b="1" dirty="0"/>
-              <a:t>Add Document To Elasticsearch Index Using rest </a:t>
+              <a:t>ADD Document In Bulk To Elasticsearch Index Using rest </a:t>
             </a:r>
             <a:r>
               <a:rPr lang="en-US" b="1" dirty="0" err="1"/>
@@ -6721,7 +6721,7 @@
           <a:p>
             <a:r>
               <a:rPr lang="en-US" b="1" dirty="0"/>
-              <a:t>Tutorial :7</a:t>
+              <a:t>Tutorial :8</a:t>
             </a:r>
           </a:p>
         </p:txBody>
@@ -9283,7 +9283,7 @@
       </p:grpSpPr>
       <p:sp>
         <p:nvSpPr>
-          <p:cNvPr id="10" name="Freeform: Shape 9">
+          <p:cNvPr id="19" name="Freeform: Shape 18">
             <a:extLst>
               <a:ext uri="{FF2B5EF4-FFF2-40B4-BE49-F238E27FC236}">
                 <a16:creationId xmlns:a16="http://schemas.microsoft.com/office/drawing/2014/main" id="{8A7BA06D-B3FF-4E91-8639-B4569AE3AA23}"/>
@@ -9405,7 +9405,7 @@
       </p:sp>
       <p:sp>
         <p:nvSpPr>
-          <p:cNvPr id="12" name="Arc 11">
+          <p:cNvPr id="21" name="Arc 20">
             <a:extLst>
               <a:ext uri="{FF2B5EF4-FFF2-40B4-BE49-F238E27FC236}">
                 <a16:creationId xmlns:a16="http://schemas.microsoft.com/office/drawing/2014/main" id="{2B30C86D-5A07-48BC-9C9D-6F9A2DB1E9E1}"/>
@@ -9495,10 +9495,10 @@
       </p:sp>
       <p:sp useBgFill="1">
         <p:nvSpPr>
-          <p:cNvPr id="14" name="Rectangle 13">
-            <a:extLst>
-              <a:ext uri="{FF2B5EF4-FFF2-40B4-BE49-F238E27FC236}">
-                <a16:creationId xmlns:a16="http://schemas.microsoft.com/office/drawing/2014/main" id="{407C9FC5-0C1E-42A8-97E6-F940775A0575}"/>
+          <p:cNvPr id="23" name="Rectangle 22">
+            <a:extLst>
+              <a:ext uri="{FF2B5EF4-FFF2-40B4-BE49-F238E27FC236}">
+                <a16:creationId xmlns:a16="http://schemas.microsoft.com/office/drawing/2014/main" id="{8930EBA3-4D2E-42E8-B828-834555328D85}"/>
               </a:ext>
               <a:ext uri="{C183D7F6-B498-43B3-948B-1728B52AA6E4}">
                 <adec:decorative xmlns:adec="http://schemas.microsoft.com/office/drawing/2017/decorative" val="1"/>
@@ -9678,71 +9678,10 @@
       </p:sp>
       <p:sp>
         <p:nvSpPr>
-          <p:cNvPr id="2" name="Title 1">
-            <a:extLst>
-              <a:ext uri="{FF2B5EF4-FFF2-40B4-BE49-F238E27FC236}">
-                <a16:creationId xmlns:a16="http://schemas.microsoft.com/office/drawing/2014/main" id="{5749A560-553C-584A-9836-330DCC2D385E}"/>
-              </a:ext>
-            </a:extLst>
-          </p:cNvPr>
-          <p:cNvSpPr>
-            <a:spLocks noGrp="1"/>
-          </p:cNvSpPr>
-          <p:nvPr>
-            <p:ph type="title"/>
-          </p:nvPr>
-        </p:nvSpPr>
-        <p:spPr>
-          <a:xfrm>
-            <a:off x="1524000" y="4218281"/>
-            <a:ext cx="4265007" cy="1885199"/>
-          </a:xfrm>
-        </p:spPr>
-        <p:txBody>
-          <a:bodyPr vert="horz" lIns="91440" tIns="45720" rIns="91440" bIns="45720" rtlCol="0" anchor="ctr">
-            <a:normAutofit/>
-          </a:bodyPr>
-          <a:lstStyle/>
-          <a:p>
-            <a:r>
-              <a:rPr lang="en-US" sz="6000" kern="1200" dirty="0">
-                <a:solidFill>
-                  <a:schemeClr val="tx1"/>
-                </a:solidFill>
-                <a:latin typeface="+mj-lt"/>
-                <a:ea typeface="+mj-ea"/>
-                <a:cs typeface="+mj-cs"/>
-              </a:rPr>
-              <a:t>Add a </a:t>
-            </a:r>
-            <a:r>
-              <a:rPr lang="en-US" sz="6000" kern="1200" dirty="0" err="1">
-                <a:solidFill>
-                  <a:schemeClr val="tx1"/>
-                </a:solidFill>
-                <a:latin typeface="+mj-lt"/>
-                <a:ea typeface="+mj-ea"/>
-                <a:cs typeface="+mj-cs"/>
-              </a:rPr>
-              <a:t>Ddocument</a:t>
-            </a:r>
-            <a:endParaRPr lang="en-US" sz="6000" kern="1200" dirty="0">
-              <a:solidFill>
-                <a:schemeClr val="tx1"/>
-              </a:solidFill>
-              <a:latin typeface="+mj-lt"/>
-              <a:ea typeface="+mj-ea"/>
-              <a:cs typeface="+mj-cs"/>
-            </a:endParaRPr>
-          </a:p>
-        </p:txBody>
-      </p:sp>
-      <p:sp>
-        <p:nvSpPr>
-          <p:cNvPr id="16" name="Oval 15">
-            <a:extLst>
-              <a:ext uri="{FF2B5EF4-FFF2-40B4-BE49-F238E27FC236}">
-                <a16:creationId xmlns:a16="http://schemas.microsoft.com/office/drawing/2014/main" id="{9EE371B4-A1D9-4EFE-8FE1-000495831EFA}"/>
+          <p:cNvPr id="25" name="Arc 24">
+            <a:extLst>
+              <a:ext uri="{FF2B5EF4-FFF2-40B4-BE49-F238E27FC236}">
+                <a16:creationId xmlns:a16="http://schemas.microsoft.com/office/drawing/2014/main" id="{E58B2195-5055-402F-A3E7-53FF0E4980C3}"/>
               </a:ext>
               <a:ext uri="{C183D7F6-B498-43B3-948B-1728B52AA6E4}">
                 <adec:decorative xmlns:adec="http://schemas.microsoft.com/office/drawing/2017/decorative" val="1"/>
@@ -9762,99 +9701,7 @@
         </p:nvSpPr>
         <p:spPr>
           <a:xfrm>
-            <a:off x="813617" y="4218281"/>
-            <a:ext cx="546100" cy="546100"/>
-          </a:xfrm>
-          <a:prstGeom prst="ellipse">
-            <a:avLst/>
-          </a:prstGeom>
-          <a:solidFill>
-            <a:schemeClr val="accent5"/>
-          </a:solidFill>
-          <a:ln>
-            <a:noFill/>
-          </a:ln>
-        </p:spPr>
-        <p:style>
-          <a:lnRef idx="2">
-            <a:schemeClr val="accent1">
-              <a:shade val="50000"/>
-            </a:schemeClr>
-          </a:lnRef>
-          <a:fillRef idx="1">
-            <a:schemeClr val="accent1"/>
-          </a:fillRef>
-          <a:effectRef idx="0">
-            <a:schemeClr val="accent1"/>
-          </a:effectRef>
-          <a:fontRef idx="minor">
-            <a:schemeClr val="lt1"/>
-          </a:fontRef>
-        </p:style>
-        <p:txBody>
-          <a:bodyPr rtlCol="0" anchor="ctr"/>
-          <a:lstStyle/>
-          <a:p>
-            <a:pPr marL="0" marR="0" lvl="0" indent="0" algn="ctr" defTabSz="914400" rtl="0" eaLnBrk="1" fontAlgn="auto" latinLnBrk="0" hangingPunct="1">
-              <a:lnSpc>
-                <a:spcPct val="100000"/>
-              </a:lnSpc>
-              <a:spcBef>
-                <a:spcPts val="0"/>
-              </a:spcBef>
-              <a:spcAft>
-                <a:spcPts val="0"/>
-              </a:spcAft>
-              <a:buClrTx/>
-              <a:buSzTx/>
-              <a:buFontTx/>
-              <a:buNone/>
-              <a:tabLst/>
-              <a:defRPr/>
-            </a:pPr>
-            <a:endParaRPr kumimoji="0" lang="en-US" sz="1800" b="0" i="0" u="none" strike="noStrike" kern="1200" cap="none" spc="0" normalizeH="0" baseline="0" noProof="0">
-              <a:ln>
-                <a:noFill/>
-              </a:ln>
-              <a:solidFill>
-                <a:srgbClr val="5B9BD5"/>
-              </a:solidFill>
-              <a:effectLst/>
-              <a:uLnTx/>
-              <a:uFillTx/>
-              <a:latin typeface="Calibri" panose="020F0502020204030204"/>
-              <a:ea typeface="+mn-ea"/>
-              <a:cs typeface="+mn-cs"/>
-            </a:endParaRPr>
-          </a:p>
-        </p:txBody>
-      </p:sp>
-      <p:sp>
-        <p:nvSpPr>
-          <p:cNvPr id="18" name="Arc 17">
-            <a:extLst>
-              <a:ext uri="{FF2B5EF4-FFF2-40B4-BE49-F238E27FC236}">
-                <a16:creationId xmlns:a16="http://schemas.microsoft.com/office/drawing/2014/main" id="{2E19C174-9C7C-461E-970B-432019901562}"/>
-              </a:ext>
-              <a:ext uri="{C183D7F6-B498-43B3-948B-1728B52AA6E4}">
-                <adec:decorative xmlns:adec="http://schemas.microsoft.com/office/drawing/2017/decorative" val="1"/>
-              </a:ext>
-            </a:extLst>
-          </p:cNvPr>
-          <p:cNvSpPr>
-            <a:spLocks noGrp="1" noRot="1" noChangeAspect="1" noMove="1" noResize="1" noEditPoints="1" noAdjustHandles="1" noChangeArrowheads="1" noChangeShapeType="1" noTextEdit="1"/>
-          </p:cNvSpPr>
-          <p:nvPr>
-            <p:extLst>
-              <p:ext uri="{386F3935-93C4-4BCD-93E2-E3B085C9AB24}">
-                <p16:designElem xmlns:p16="http://schemas.microsoft.com/office/powerpoint/2015/main" val="1"/>
-              </p:ext>
-            </p:extLst>
-          </p:nvPr>
-        </p:nvSpPr>
-        <p:spPr>
-          <a:xfrm>
-            <a:off x="8038539" y="3295432"/>
+            <a:off x="8525836" y="775849"/>
             <a:ext cx="2987899" cy="2987899"/>
           </a:xfrm>
           <a:prstGeom prst="arc">
@@ -9925,10 +9772,197 @@
       </p:sp>
       <p:sp>
         <p:nvSpPr>
-          <p:cNvPr id="4" name="Content Placeholder 3">
-            <a:extLst>
-              <a:ext uri="{FF2B5EF4-FFF2-40B4-BE49-F238E27FC236}">
-                <a16:creationId xmlns:a16="http://schemas.microsoft.com/office/drawing/2014/main" id="{2A94E08F-B615-5AD0-6405-A1C8096B318B}"/>
+          <p:cNvPr id="2" name="Title 1">
+            <a:extLst>
+              <a:ext uri="{FF2B5EF4-FFF2-40B4-BE49-F238E27FC236}">
+                <a16:creationId xmlns:a16="http://schemas.microsoft.com/office/drawing/2014/main" id="{FA5C9531-F581-EE4B-827F-1913E674232B}"/>
+              </a:ext>
+            </a:extLst>
+          </p:cNvPr>
+          <p:cNvSpPr>
+            <a:spLocks noGrp="1"/>
+          </p:cNvSpPr>
+          <p:nvPr>
+            <p:ph type="title"/>
+          </p:nvPr>
+        </p:nvSpPr>
+        <p:spPr>
+          <a:xfrm>
+            <a:off x="6642102" y="560104"/>
+            <a:ext cx="5130798" cy="2750419"/>
+          </a:xfrm>
+        </p:spPr>
+        <p:txBody>
+          <a:bodyPr vert="horz" lIns="91440" tIns="45720" rIns="91440" bIns="45720" rtlCol="0" anchor="b">
+            <a:normAutofit/>
+          </a:bodyPr>
+          <a:lstStyle/>
+          <a:p>
+            <a:pPr algn="ctr"/>
+            <a:r>
+              <a:rPr lang="en-US" sz="4700" kern="1200" dirty="0">
+                <a:solidFill>
+                  <a:schemeClr val="tx1"/>
+                </a:solidFill>
+                <a:latin typeface="+mj-lt"/>
+                <a:ea typeface="+mj-ea"/>
+                <a:cs typeface="+mj-cs"/>
+              </a:rPr>
+              <a:t>Add document in bu</a:t>
+            </a:r>
+            <a:r>
+              <a:rPr lang="en-US" sz="4700" dirty="0"/>
+              <a:t>lk </a:t>
+            </a:r>
+            <a:r>
+              <a:rPr lang="en-US" sz="4700"/>
+              <a:t>to </a:t>
+            </a:r>
+            <a:r>
+              <a:rPr lang="en-US" sz="4700" kern="1200">
+                <a:solidFill>
+                  <a:schemeClr val="tx1"/>
+                </a:solidFill>
+                <a:latin typeface="+mj-lt"/>
+                <a:ea typeface="+mj-ea"/>
+                <a:cs typeface="+mj-cs"/>
+              </a:rPr>
+              <a:t> </a:t>
+            </a:r>
+            <a:r>
+              <a:rPr lang="en-US" sz="4700" kern="1200" dirty="0">
+                <a:solidFill>
+                  <a:schemeClr val="tx1"/>
+                </a:solidFill>
+                <a:latin typeface="+mj-lt"/>
+                <a:ea typeface="+mj-ea"/>
+                <a:cs typeface="+mj-cs"/>
+              </a:rPr>
+              <a:t>elk index using rest </a:t>
+            </a:r>
+            <a:r>
+              <a:rPr lang="en-US" sz="4700" kern="1200" dirty="0" err="1">
+                <a:solidFill>
+                  <a:schemeClr val="tx1"/>
+                </a:solidFill>
+                <a:latin typeface="+mj-lt"/>
+                <a:ea typeface="+mj-ea"/>
+                <a:cs typeface="+mj-cs"/>
+              </a:rPr>
+              <a:t>api</a:t>
+            </a:r>
+            <a:r>
+              <a:rPr lang="en-US" sz="4700" kern="1200" dirty="0">
+                <a:solidFill>
+                  <a:schemeClr val="tx1"/>
+                </a:solidFill>
+                <a:latin typeface="+mj-lt"/>
+                <a:ea typeface="+mj-ea"/>
+                <a:cs typeface="+mj-cs"/>
+              </a:rPr>
+              <a:t> and python</a:t>
+            </a:r>
+          </a:p>
+        </p:txBody>
+      </p:sp>
+      <p:sp>
+        <p:nvSpPr>
+          <p:cNvPr id="27" name="Oval 26">
+            <a:extLst>
+              <a:ext uri="{FF2B5EF4-FFF2-40B4-BE49-F238E27FC236}">
+                <a16:creationId xmlns:a16="http://schemas.microsoft.com/office/drawing/2014/main" id="{528AA953-F4F9-4DC5-97C7-491F4AF937DC}"/>
+              </a:ext>
+              <a:ext uri="{C183D7F6-B498-43B3-948B-1728B52AA6E4}">
+                <adec:decorative xmlns:adec="http://schemas.microsoft.com/office/drawing/2017/decorative" val="1"/>
+              </a:ext>
+            </a:extLst>
+          </p:cNvPr>
+          <p:cNvSpPr>
+            <a:spLocks noGrp="1" noRot="1" noChangeAspect="1" noMove="1" noResize="1" noEditPoints="1" noAdjustHandles="1" noChangeArrowheads="1" noChangeShapeType="1" noTextEdit="1"/>
+          </p:cNvSpPr>
+          <p:nvPr>
+            <p:extLst>
+              <p:ext uri="{386F3935-93C4-4BCD-93E2-E3B085C9AB24}">
+                <p16:designElem xmlns:p16="http://schemas.microsoft.com/office/powerpoint/2015/main" val="1"/>
+              </p:ext>
+            </p:extLst>
+          </p:nvPr>
+        </p:nvSpPr>
+        <p:spPr>
+          <a:xfrm>
+            <a:off x="11097079" y="5607717"/>
+            <a:ext cx="513442" cy="499514"/>
+          </a:xfrm>
+          <a:prstGeom prst="ellipse">
+            <a:avLst/>
+          </a:prstGeom>
+          <a:solidFill>
+            <a:schemeClr val="accent5"/>
+          </a:solidFill>
+          <a:ln>
+            <a:noFill/>
+          </a:ln>
+        </p:spPr>
+        <p:style>
+          <a:lnRef idx="2">
+            <a:schemeClr val="accent1">
+              <a:shade val="50000"/>
+            </a:schemeClr>
+          </a:lnRef>
+          <a:fillRef idx="1">
+            <a:schemeClr val="accent1"/>
+          </a:fillRef>
+          <a:effectRef idx="0">
+            <a:schemeClr val="accent1"/>
+          </a:effectRef>
+          <a:fontRef idx="minor">
+            <a:schemeClr val="lt1"/>
+          </a:fontRef>
+        </p:style>
+        <p:txBody>
+          <a:bodyPr rtlCol="0" anchor="ctr"/>
+          <a:lstStyle/>
+          <a:p>
+            <a:pPr marL="0" marR="0" lvl="0" indent="0" algn="ctr" defTabSz="914400" rtl="0" eaLnBrk="1" fontAlgn="auto" latinLnBrk="0" hangingPunct="1">
+              <a:lnSpc>
+                <a:spcPct val="100000"/>
+              </a:lnSpc>
+              <a:spcBef>
+                <a:spcPts val="0"/>
+              </a:spcBef>
+              <a:spcAft>
+                <a:spcPts val="0"/>
+              </a:spcAft>
+              <a:buClrTx/>
+              <a:buSzTx/>
+              <a:buFontTx/>
+              <a:buNone/>
+              <a:tabLst/>
+              <a:defRPr/>
+            </a:pPr>
+            <a:endParaRPr kumimoji="0" lang="en-US" sz="1800" b="0" i="0" u="none" strike="noStrike" kern="1200" cap="none" spc="0" normalizeH="0" baseline="0" noProof="0">
+              <a:ln>
+                <a:noFill/>
+              </a:ln>
+              <a:solidFill>
+                <a:srgbClr val="FFFFFF"/>
+              </a:solidFill>
+              <a:effectLst/>
+              <a:uLnTx/>
+              <a:uFillTx/>
+              <a:latin typeface="Calibri" panose="020F0502020204030204"/>
+              <a:ea typeface="+mn-ea"/>
+              <a:cs typeface="+mn-cs"/>
+            </a:endParaRPr>
+          </a:p>
+        </p:txBody>
+      </p:sp>
+      <p:sp>
+        <p:nvSpPr>
+          <p:cNvPr id="5" name="Content Placeholder 4">
+            <a:extLst>
+              <a:ext uri="{FF2B5EF4-FFF2-40B4-BE49-F238E27FC236}">
+                <a16:creationId xmlns:a16="http://schemas.microsoft.com/office/drawing/2014/main" id="{3885A3FF-4132-2A43-9F55-0EFB3A9A7757}"/>
               </a:ext>
             </a:extLst>
           </p:cNvPr>
@@ -9939,19 +9973,31 @@
             <p:ph idx="1"/>
           </p:nvPr>
         </p:nvSpPr>
-        <p:spPr/>
+        <p:spPr>
+          <a:xfrm>
+            <a:off x="838200" y="3310523"/>
+            <a:ext cx="10515600" cy="2374844"/>
+          </a:xfrm>
+        </p:spPr>
         <p:txBody>
           <a:bodyPr/>
           <a:lstStyle/>
           <a:p>
-            <a:endParaRPr lang="en-US"/>
+            <a:pPr marL="0" indent="0">
+              <a:buNone/>
+            </a:pPr>
+            <a:endParaRPr lang="en-US" b="1" dirty="0">
+              <a:highlight>
+                <a:srgbClr val="FFFF00"/>
+              </a:highlight>
+            </a:endParaRPr>
           </a:p>
         </p:txBody>
       </p:sp>
     </p:spTree>
     <p:extLst>
       <p:ext uri="{BB962C8B-B14F-4D97-AF65-F5344CB8AC3E}">
-        <p14:creationId xmlns:p14="http://schemas.microsoft.com/office/powerpoint/2010/main" val="1814173247"/>
+        <p14:creationId xmlns:p14="http://schemas.microsoft.com/office/powerpoint/2010/main" val="3253700719"/>
       </p:ext>
     </p:extLst>
   </p:cSld>
